--- a/projektmenedzsment.pptx
+++ b/projektmenedzsment.pptx
@@ -228,7 +228,7 @@
           <a:p>
             <a:fld id="{31556236-BDB4-4AC2-BBEC-7F5B4C7C595B}" type="datetime1">
               <a:rPr lang="hu-HU" smtClean="0"/>
-              <a:t>2024. 04. 14.</a:t>
+              <a:t>2024. 04. 16.</a:t>
             </a:fld>
             <a:endParaRPr lang="hu-HU" dirty="0"/>
           </a:p>
@@ -406,7 +406,7 @@
             <a:fld id="{A7165B99-177C-4444-B758-14DBAECCCA4B}" type="datetime1">
               <a:rPr lang="hu-HU" smtClean="0"/>
               <a:pPr/>
-              <a:t>2024. 04. 14.</a:t>
+              <a:t>2024. 04. 16.</a:t>
             </a:fld>
             <a:endParaRPr lang="hu-HU" dirty="0"/>
           </a:p>
@@ -971,7 +971,7 @@
             <a:pPr rtl="0"/>
             <a:fld id="{3AB8A3DE-3DD8-402E-90D3-5A34D30C7B87}" type="datetime1">
               <a:rPr lang="hu-HU" noProof="0" smtClean="0"/>
-              <a:t>2024. 04. 14.</a:t>
+              <a:t>2024. 04. 16.</a:t>
             </a:fld>
             <a:endParaRPr lang="hu-HU" noProof="0"/>
           </a:p>
@@ -1261,7 +1261,7 @@
             <a:pPr rtl="0"/>
             <a:fld id="{60D85D7F-DBB2-4F53-BE5D-93E2AB2A3BD6}" type="datetime1">
               <a:rPr lang="hu-HU" noProof="0" smtClean="0"/>
-              <a:t>2024. 04. 14.</a:t>
+              <a:t>2024. 04. 16.</a:t>
             </a:fld>
             <a:endParaRPr lang="hu-HU" noProof="0"/>
           </a:p>
@@ -1519,7 +1519,7 @@
             <a:pPr rtl="0"/>
             <a:fld id="{101FCAAD-F968-4629-8AFD-0C7B2FA7A856}" type="datetime1">
               <a:rPr lang="hu-HU" noProof="0" smtClean="0"/>
-              <a:t>2024. 04. 14.</a:t>
+              <a:t>2024. 04. 16.</a:t>
             </a:fld>
             <a:endParaRPr lang="hu-HU" noProof="0"/>
           </a:p>
@@ -1987,7 +1987,7 @@
             <a:pPr rtl="0"/>
             <a:fld id="{DC846BD9-200B-4DBF-890D-53195084ECA3}" type="datetime1">
               <a:rPr lang="hu-HU" noProof="0" smtClean="0"/>
-              <a:t>2024. 04. 14.</a:t>
+              <a:t>2024. 04. 16.</a:t>
             </a:fld>
             <a:endParaRPr lang="hu-HU" noProof="0"/>
           </a:p>
@@ -2166,7 +2166,7 @@
             <a:pPr rtl="0"/>
             <a:fld id="{CA916081-6877-48C8-8BBF-4821DC30A767}" type="datetime1">
               <a:rPr lang="hu-HU" noProof="0" smtClean="0"/>
-              <a:t>2024. 04. 14.</a:t>
+              <a:t>2024. 04. 16.</a:t>
             </a:fld>
             <a:endParaRPr lang="hu-HU" noProof="0"/>
           </a:p>
@@ -2741,7 +2741,7 @@
             <a:pPr rtl="0"/>
             <a:fld id="{994D2633-AAA1-4815-822A-C62060B08855}" type="datetime1">
               <a:rPr lang="hu-HU" noProof="0" smtClean="0"/>
-              <a:t>2024. 04. 14.</a:t>
+              <a:t>2024. 04. 16.</a:t>
             </a:fld>
             <a:endParaRPr lang="hu-HU" noProof="0"/>
           </a:p>
@@ -3071,7 +3071,7 @@
             <a:pPr rtl="0"/>
             <a:fld id="{D64229F1-1366-4C2B-BE81-2F275B01C0A4}" type="datetime1">
               <a:rPr lang="hu-HU" noProof="0" smtClean="0"/>
-              <a:t>2024. 04. 14.</a:t>
+              <a:t>2024. 04. 16.</a:t>
             </a:fld>
             <a:endParaRPr lang="hu-HU" noProof="0"/>
           </a:p>
@@ -3244,7 +3244,7 @@
             <a:pPr rtl="0"/>
             <a:fld id="{246CBC7E-AE72-4751-9333-E69F5759B16A}" type="datetime1">
               <a:rPr lang="hu-HU" noProof="0" smtClean="0"/>
-              <a:t>2024. 04. 14.</a:t>
+              <a:t>2024. 04. 16.</a:t>
             </a:fld>
             <a:endParaRPr lang="hu-HU" noProof="0"/>
           </a:p>
@@ -3422,7 +3422,7 @@
             <a:pPr rtl="0"/>
             <a:fld id="{C85CE890-5CC4-4698-A481-166CE1EFFA56}" type="datetime1">
               <a:rPr lang="hu-HU" noProof="0" smtClean="0"/>
-              <a:t>2024. 04. 14.</a:t>
+              <a:t>2024. 04. 16.</a:t>
             </a:fld>
             <a:endParaRPr lang="hu-HU" noProof="0"/>
           </a:p>
@@ -3590,7 +3590,7 @@
             <a:pPr rtl="0"/>
             <a:fld id="{25FF2619-11CC-499C-97D9-76C5A9F67F71}" type="datetime1">
               <a:rPr lang="hu-HU" noProof="0" smtClean="0"/>
-              <a:t>2024. 04. 14.</a:t>
+              <a:t>2024. 04. 16.</a:t>
             </a:fld>
             <a:endParaRPr lang="hu-HU" noProof="0"/>
           </a:p>
@@ -3846,7 +3846,7 @@
             <a:pPr rtl="0"/>
             <a:fld id="{1B78BC41-AE21-4494-BF47-2C3173CF5240}" type="datetime1">
               <a:rPr lang="hu-HU" noProof="0" smtClean="0"/>
-              <a:t>2024. 04. 14.</a:t>
+              <a:t>2024. 04. 16.</a:t>
             </a:fld>
             <a:endParaRPr lang="hu-HU" noProof="0"/>
           </a:p>
@@ -4135,7 +4135,7 @@
             <a:pPr rtl="0"/>
             <a:fld id="{EBBC8BFE-A881-40B5-B958-7708915CDC0B}" type="datetime1">
               <a:rPr lang="hu-HU" noProof="0" smtClean="0"/>
-              <a:t>2024. 04. 14.</a:t>
+              <a:t>2024. 04. 16.</a:t>
             </a:fld>
             <a:endParaRPr lang="hu-HU" noProof="0"/>
           </a:p>
@@ -4562,7 +4562,7 @@
             <a:pPr rtl="0"/>
             <a:fld id="{8B77F9A9-0077-492D-A533-E8EC587B857E}" type="datetime1">
               <a:rPr lang="hu-HU" noProof="0" smtClean="0"/>
-              <a:t>2024. 04. 14.</a:t>
+              <a:t>2024. 04. 16.</a:t>
             </a:fld>
             <a:endParaRPr lang="hu-HU" noProof="0"/>
           </a:p>
@@ -4679,7 +4679,7 @@
             <a:pPr rtl="0"/>
             <a:fld id="{555A6D8F-5A06-4D73-A6A8-B89EB6929DE3}" type="datetime1">
               <a:rPr lang="hu-HU" noProof="0" smtClean="0"/>
-              <a:t>2024. 04. 14.</a:t>
+              <a:t>2024. 04. 16.</a:t>
             </a:fld>
             <a:endParaRPr lang="hu-HU" noProof="0"/>
           </a:p>
@@ -4773,7 +4773,7 @@
             <a:pPr rtl="0"/>
             <a:fld id="{FA07A284-1537-4E9B-AA22-43B7E61443E1}" type="datetime1">
               <a:rPr lang="hu-HU" noProof="0" smtClean="0"/>
-              <a:t>2024. 04. 14.</a:t>
+              <a:t>2024. 04. 16.</a:t>
             </a:fld>
             <a:endParaRPr lang="hu-HU" noProof="0"/>
           </a:p>
@@ -5054,7 +5054,7 @@
             <a:pPr rtl="0"/>
             <a:fld id="{4FB5D31E-4002-45E4-8AC2-59B3CF066805}" type="datetime1">
               <a:rPr lang="hu-HU" noProof="0" smtClean="0"/>
-              <a:t>2024. 04. 14.</a:t>
+              <a:t>2024. 04. 16.</a:t>
             </a:fld>
             <a:endParaRPr lang="hu-HU" noProof="0"/>
           </a:p>
@@ -5344,7 +5344,7 @@
             <a:pPr rtl="0"/>
             <a:fld id="{63B787D9-3A0E-4CA0-88E5-45CA883426FC}" type="datetime1">
               <a:rPr lang="hu-HU" noProof="0" smtClean="0"/>
-              <a:t>2024. 04. 14.</a:t>
+              <a:t>2024. 04. 16.</a:t>
             </a:fld>
             <a:endParaRPr lang="hu-HU" noProof="0"/>
           </a:p>
@@ -5573,7 +5573,7 @@
             <a:pPr rtl="0"/>
             <a:fld id="{4370E5B8-C7A4-4D83-A65E-420C7D7ECC91}" type="datetime1">
               <a:rPr lang="hu-HU" noProof="0" smtClean="0"/>
-              <a:t>2024. 04. 14.</a:t>
+              <a:t>2024. 04. 16.</a:t>
             </a:fld>
             <a:endParaRPr lang="hu-HU" noProof="0"/>
           </a:p>
